--- a/Training Materials/Day 3/Spring Boot/Slides/2. Introducing Spring Boot and Its Benefits/introducing-spring-boot-and-its-benefits-slides.pptx
+++ b/Training Materials/Day 3/Spring Boot/Slides/2. Introducing Spring Boot and Its Benefits/introducing-spring-boot-and-its-benefits-slides.pptx
@@ -127,6 +127,22 @@
       </a:defRPr>
     </a:lvl9pPr>
   </p:defaultTextStyle>
+  <p:extLst>
+    <p:ext uri="{EFAFB233-063F-42B5-8137-9DF3F51BA10A}">
+      <p15:sldGuideLst xmlns:p15="http://schemas.microsoft.com/office/powerpoint/2012/main">
+        <p15:guide id="1" orient="horz" pos="2880" userDrawn="1">
+          <p15:clr>
+            <a:srgbClr val="A4A3A4"/>
+          </p15:clr>
+        </p15:guide>
+        <p15:guide id="2" pos="2160" userDrawn="1">
+          <p15:clr>
+            <a:srgbClr val="A4A3A4"/>
+          </p15:clr>
+        </p15:guide>
+      </p15:sldGuideLst>
+    </p:ext>
+  </p:extLst>
 </p:presentation>
 </file>
 
@@ -1202,28 +1218,6 @@
           <a:chExt cx="0" cy="0"/>
         </a:xfrm>
       </p:grpSpPr>
-      <p:pic>
-        <p:nvPicPr>
-          <p:cNvPr id="16" name="bg object 16"/>
-          <p:cNvPicPr/>
-          <p:nvPr/>
-        </p:nvPicPr>
-        <p:blipFill>
-          <a:blip r:embed="rId2" cstate="print"/>
-          <a:stretch>
-            <a:fillRect/>
-          </a:stretch>
-        </p:blipFill>
-        <p:spPr>
-          <a:xfrm>
-            <a:off x="11494007" y="6184391"/>
-            <a:ext cx="454151" cy="451104"/>
-          </a:xfrm>
-          <a:prstGeom prst="rect">
-            <a:avLst/>
-          </a:prstGeom>
-        </p:spPr>
-      </p:pic>
       <p:sp>
         <p:nvSpPr>
           <p:cNvPr id="17" name="bg object 17"/>
@@ -1397,28 +1391,6 @@
           <a:chExt cx="0" cy="0"/>
         </a:xfrm>
       </p:grpSpPr>
-      <p:pic>
-        <p:nvPicPr>
-          <p:cNvPr id="16" name="bg object 16"/>
-          <p:cNvPicPr/>
-          <p:nvPr/>
-        </p:nvPicPr>
-        <p:blipFill>
-          <a:blip r:embed="rId6" cstate="print"/>
-          <a:stretch>
-            <a:fillRect/>
-          </a:stretch>
-        </p:blipFill>
-        <p:spPr>
-          <a:xfrm>
-            <a:off x="11494007" y="6184391"/>
-            <a:ext cx="454151" cy="451104"/>
-          </a:xfrm>
-          <a:prstGeom prst="rect">
-            <a:avLst/>
-          </a:prstGeom>
-        </p:spPr>
-      </p:pic>
       <p:sp>
         <p:nvSpPr>
           <p:cNvPr id="2" name="Holder 2"/>
@@ -7563,28 +7535,6 @@
           <a:p/>
         </p:txBody>
       </p:sp>
-      <p:pic>
-        <p:nvPicPr>
-          <p:cNvPr id="3" name="object 3"/>
-          <p:cNvPicPr/>
-          <p:nvPr/>
-        </p:nvPicPr>
-        <p:blipFill>
-          <a:blip r:embed="rId1" cstate="print"/>
-          <a:stretch>
-            <a:fillRect/>
-          </a:stretch>
-        </p:blipFill>
-        <p:spPr>
-          <a:xfrm>
-            <a:off x="11494007" y="6184391"/>
-            <a:ext cx="454151" cy="451104"/>
-          </a:xfrm>
-          <a:prstGeom prst="rect">
-            <a:avLst/>
-          </a:prstGeom>
-        </p:spPr>
-      </p:pic>
       <p:sp>
         <p:nvSpPr>
           <p:cNvPr id="4" name="object 4"/>
@@ -8212,28 +8162,6 @@
           <a:p/>
         </p:txBody>
       </p:sp>
-      <p:pic>
-        <p:nvPicPr>
-          <p:cNvPr id="3" name="object 3"/>
-          <p:cNvPicPr/>
-          <p:nvPr/>
-        </p:nvPicPr>
-        <p:blipFill>
-          <a:blip r:embed="rId1" cstate="print"/>
-          <a:stretch>
-            <a:fillRect/>
-          </a:stretch>
-        </p:blipFill>
-        <p:spPr>
-          <a:xfrm>
-            <a:off x="11494007" y="6184391"/>
-            <a:ext cx="454151" cy="451104"/>
-          </a:xfrm>
-          <a:prstGeom prst="rect">
-            <a:avLst/>
-          </a:prstGeom>
-        </p:spPr>
-      </p:pic>
       <p:sp>
         <p:nvSpPr>
           <p:cNvPr id="4" name="object 4"/>
@@ -13028,16 +12956,16 @@
               </a:spcBef>
             </a:pPr>
             <a:r>
-              <a:rPr spc="-5" dirty="0">
+              <a:rPr lang="en-US" altLang="en-US" spc="-5" dirty="0">
                 <a:solidFill>
                   <a:srgbClr val="FFFFFF"/>
                 </a:solidFill>
                 <a:latin typeface="Courier New" panose="02070309020205020404"/>
                 <a:cs typeface="Courier New" panose="02070309020205020404"/>
               </a:rPr>
-              <a:t>https://github.com/StevenJoseph19/SpringBoot</a:t>
-            </a:r>
-            <a:endParaRPr spc="-5" dirty="0">
+              <a:t>https://github.com/StevenJoseph19/GS-Training</a:t>
+            </a:r>
+            <a:endParaRPr lang="en-US" altLang="en-US" spc="-5" dirty="0">
               <a:solidFill>
                 <a:srgbClr val="FFFFFF"/>
               </a:solidFill>
@@ -15724,7 +15652,7 @@
                 <a:latin typeface="Verdana" panose="020B0604030504040204"/>
                 <a:cs typeface="Verdana" panose="020B0604030504040204"/>
               </a:rPr>
-              <a:t>STS</a:t>
+              <a:t>IntelliJ</a:t>
             </a:r>
             <a:r>
               <a:rPr sz="2000" spc="-20" dirty="0">
